--- a/pictures/Model_Structure_detailed.pptx
+++ b/pictures/Model_Structure_detailed.pptx
@@ -378,6 +378,46 @@
       </pc:sldChg>
     </pc:docChg>
   </pc:docChgLst>
+  <pc:docChgLst>
+    <pc:chgData name="Christoph Schult" userId="3a2c93ce427878e7" providerId="LiveId" clId="{DB727F94-A96A-4C3A-91C0-DAB9898E090B}"/>
+    <pc:docChg chg="modSld">
+      <pc:chgData name="Christoph Schult" userId="3a2c93ce427878e7" providerId="LiveId" clId="{DB727F94-A96A-4C3A-91C0-DAB9898E090B}" dt="2020-04-18T14:34:39.283" v="23" actId="1076"/>
+      <pc:docMkLst>
+        <pc:docMk/>
+      </pc:docMkLst>
+      <pc:sldChg chg="modSp">
+        <pc:chgData name="Christoph Schult" userId="3a2c93ce427878e7" providerId="LiveId" clId="{DB727F94-A96A-4C3A-91C0-DAB9898E090B}" dt="2020-04-18T14:34:39.283" v="23" actId="1076"/>
+        <pc:sldMkLst>
+          <pc:docMk/>
+          <pc:sldMk cId="4051331809" sldId="256"/>
+        </pc:sldMkLst>
+        <pc:spChg chg="mod">
+          <ac:chgData name="Christoph Schult" userId="3a2c93ce427878e7" providerId="LiveId" clId="{DB727F94-A96A-4C3A-91C0-DAB9898E090B}" dt="2020-04-18T14:33:33.736" v="22" actId="20577"/>
+          <ac:spMkLst>
+            <pc:docMk/>
+            <pc:sldMk cId="4051331809" sldId="256"/>
+            <ac:spMk id="338" creationId="{A4DE445E-7F6E-49CD-9C0A-DAD7575E79C0}"/>
+          </ac:spMkLst>
+        </pc:spChg>
+        <pc:spChg chg="mod">
+          <ac:chgData name="Christoph Schult" userId="3a2c93ce427878e7" providerId="LiveId" clId="{DB727F94-A96A-4C3A-91C0-DAB9898E090B}" dt="2020-04-18T14:33:23.909" v="11" actId="20577"/>
+          <ac:spMkLst>
+            <pc:docMk/>
+            <pc:sldMk cId="4051331809" sldId="256"/>
+            <ac:spMk id="339" creationId="{8344BE87-11BB-43AE-BF19-9115714915F5}"/>
+          </ac:spMkLst>
+        </pc:spChg>
+        <pc:grpChg chg="mod">
+          <ac:chgData name="Christoph Schult" userId="3a2c93ce427878e7" providerId="LiveId" clId="{DB727F94-A96A-4C3A-91C0-DAB9898E090B}" dt="2020-04-18T14:34:39.283" v="23" actId="1076"/>
+          <ac:grpSpMkLst>
+            <pc:docMk/>
+            <pc:sldMk cId="4051331809" sldId="256"/>
+            <ac:grpSpMk id="451" creationId="{CE6C7FC3-CA70-4993-95DE-013879D3E4FE}"/>
+          </ac:grpSpMkLst>
+        </pc:grpChg>
+      </pc:sldChg>
+    </pc:docChg>
+  </pc:docChgLst>
 </pc:chgInfo>
 </file>
 
@@ -530,7 +570,7 @@
           <a:p>
             <a:fld id="{E7BEDCD1-7D12-451D-A642-9AB96E2A56A0}" type="datetimeFigureOut">
               <a:rPr lang="LID4096" smtClean="0"/>
-              <a:t>04/13/2020</a:t>
+              <a:t>04/18/2020</a:t>
             </a:fld>
             <a:endParaRPr lang="LID4096"/>
           </a:p>
@@ -730,7 +770,7 @@
           <a:p>
             <a:fld id="{E7BEDCD1-7D12-451D-A642-9AB96E2A56A0}" type="datetimeFigureOut">
               <a:rPr lang="LID4096" smtClean="0"/>
-              <a:t>04/13/2020</a:t>
+              <a:t>04/18/2020</a:t>
             </a:fld>
             <a:endParaRPr lang="LID4096"/>
           </a:p>
@@ -940,7 +980,7 @@
           <a:p>
             <a:fld id="{E7BEDCD1-7D12-451D-A642-9AB96E2A56A0}" type="datetimeFigureOut">
               <a:rPr lang="LID4096" smtClean="0"/>
-              <a:t>04/13/2020</a:t>
+              <a:t>04/18/2020</a:t>
             </a:fld>
             <a:endParaRPr lang="LID4096"/>
           </a:p>
@@ -1140,7 +1180,7 @@
           <a:p>
             <a:fld id="{E7BEDCD1-7D12-451D-A642-9AB96E2A56A0}" type="datetimeFigureOut">
               <a:rPr lang="LID4096" smtClean="0"/>
-              <a:t>04/13/2020</a:t>
+              <a:t>04/18/2020</a:t>
             </a:fld>
             <a:endParaRPr lang="LID4096"/>
           </a:p>
@@ -1416,7 +1456,7 @@
           <a:p>
             <a:fld id="{E7BEDCD1-7D12-451D-A642-9AB96E2A56A0}" type="datetimeFigureOut">
               <a:rPr lang="LID4096" smtClean="0"/>
-              <a:t>04/13/2020</a:t>
+              <a:t>04/18/2020</a:t>
             </a:fld>
             <a:endParaRPr lang="LID4096"/>
           </a:p>
@@ -1684,7 +1724,7 @@
           <a:p>
             <a:fld id="{E7BEDCD1-7D12-451D-A642-9AB96E2A56A0}" type="datetimeFigureOut">
               <a:rPr lang="LID4096" smtClean="0"/>
-              <a:t>04/13/2020</a:t>
+              <a:t>04/18/2020</a:t>
             </a:fld>
             <a:endParaRPr lang="LID4096"/>
           </a:p>
@@ -2099,7 +2139,7 @@
           <a:p>
             <a:fld id="{E7BEDCD1-7D12-451D-A642-9AB96E2A56A0}" type="datetimeFigureOut">
               <a:rPr lang="LID4096" smtClean="0"/>
-              <a:t>04/13/2020</a:t>
+              <a:t>04/18/2020</a:t>
             </a:fld>
             <a:endParaRPr lang="LID4096"/>
           </a:p>
@@ -2241,7 +2281,7 @@
           <a:p>
             <a:fld id="{E7BEDCD1-7D12-451D-A642-9AB96E2A56A0}" type="datetimeFigureOut">
               <a:rPr lang="LID4096" smtClean="0"/>
-              <a:t>04/13/2020</a:t>
+              <a:t>04/18/2020</a:t>
             </a:fld>
             <a:endParaRPr lang="LID4096"/>
           </a:p>
@@ -2354,7 +2394,7 @@
           <a:p>
             <a:fld id="{E7BEDCD1-7D12-451D-A642-9AB96E2A56A0}" type="datetimeFigureOut">
               <a:rPr lang="LID4096" smtClean="0"/>
-              <a:t>04/13/2020</a:t>
+              <a:t>04/18/2020</a:t>
             </a:fld>
             <a:endParaRPr lang="LID4096"/>
           </a:p>
@@ -2667,7 +2707,7 @@
           <a:p>
             <a:fld id="{E7BEDCD1-7D12-451D-A642-9AB96E2A56A0}" type="datetimeFigureOut">
               <a:rPr lang="LID4096" smtClean="0"/>
-              <a:t>04/13/2020</a:t>
+              <a:t>04/18/2020</a:t>
             </a:fld>
             <a:endParaRPr lang="LID4096"/>
           </a:p>
@@ -2956,7 +2996,7 @@
           <a:p>
             <a:fld id="{E7BEDCD1-7D12-451D-A642-9AB96E2A56A0}" type="datetimeFigureOut">
               <a:rPr lang="LID4096" smtClean="0"/>
-              <a:t>04/13/2020</a:t>
+              <a:t>04/18/2020</a:t>
             </a:fld>
             <a:endParaRPr lang="LID4096"/>
           </a:p>
@@ -3199,7 +3239,7 @@
           <a:p>
             <a:fld id="{E7BEDCD1-7D12-451D-A642-9AB96E2A56A0}" type="datetimeFigureOut">
               <a:rPr lang="LID4096" smtClean="0"/>
-              <a:t>04/13/2020</a:t>
+              <a:t>04/18/2020</a:t>
             </a:fld>
             <a:endParaRPr lang="LID4096"/>
           </a:p>
@@ -3630,10 +3670,10 @@
         </p:nvGrpSpPr>
         <p:grpSpPr>
           <a:xfrm>
-            <a:off x="106522" y="-1760"/>
-            <a:ext cx="11669671" cy="6499264"/>
+            <a:off x="106522" y="-20614"/>
+            <a:ext cx="11669671" cy="6552604"/>
             <a:chOff x="106522" y="-1760"/>
-            <a:chExt cx="11669671" cy="6499264"/>
+            <a:chExt cx="11669671" cy="6552604"/>
           </a:xfrm>
         </p:grpSpPr>
         <p:sp>
@@ -3914,7 +3954,7 @@
           </p:nvSpPr>
           <p:spPr>
             <a:xfrm>
-              <a:off x="4680192" y="5597504"/>
+              <a:off x="4680192" y="5650844"/>
               <a:ext cx="2880000" cy="900000"/>
             </a:xfrm>
             <a:prstGeom prst="rect">
@@ -4098,8 +4138,8 @@
           </p:nvCxnSpPr>
           <p:spPr>
             <a:xfrm rot="16200000" flipV="1">
-              <a:off x="3709758" y="3187069"/>
-              <a:ext cx="918727" cy="3902143"/>
+              <a:off x="3683088" y="3213739"/>
+              <a:ext cx="972067" cy="3902143"/>
             </a:xfrm>
             <a:prstGeom prst="bentConnector3">
               <a:avLst>
@@ -4146,8 +4186,8 @@
           </p:nvCxnSpPr>
           <p:spPr>
             <a:xfrm rot="16200000" flipV="1">
-              <a:off x="4488871" y="3966183"/>
-              <a:ext cx="936335" cy="2326308"/>
+              <a:off x="4462201" y="3992853"/>
+              <a:ext cx="989675" cy="2326308"/>
             </a:xfrm>
             <a:prstGeom prst="bentConnector3">
               <a:avLst>
@@ -4194,8 +4234,8 @@
           </p:nvCxnSpPr>
           <p:spPr>
             <a:xfrm rot="16200000" flipV="1">
-              <a:off x="5213703" y="4691014"/>
-              <a:ext cx="949707" cy="863273"/>
+              <a:off x="5187033" y="4717684"/>
+              <a:ext cx="1003047" cy="863273"/>
             </a:xfrm>
             <a:prstGeom prst="bentConnector3">
               <a:avLst>
@@ -5075,174 +5115,6 @@
                   </a:fontRef>
                 </p:style>
               </p:cxnSp>
-              <p:grpSp>
-                <p:nvGrpSpPr>
-                  <p:cNvPr id="366" name="Gruppieren 365">
-                    <a:extLst>
-                      <a:ext uri="{FF2B5EF4-FFF2-40B4-BE49-F238E27FC236}">
-                        <a16:creationId xmlns:a16="http://schemas.microsoft.com/office/drawing/2014/main" id="{941EF21F-0ADD-40D2-9139-9536D12AA850}"/>
-                      </a:ext>
-                    </a:extLst>
-                  </p:cNvPr>
-                  <p:cNvGrpSpPr/>
-                  <p:nvPr/>
-                </p:nvGrpSpPr>
-                <p:grpSpPr>
-                  <a:xfrm>
-                    <a:off x="2406609" y="5589902"/>
-                    <a:ext cx="651117" cy="133206"/>
-                    <a:chOff x="5110902" y="3157979"/>
-                    <a:chExt cx="651117" cy="133206"/>
-                  </a:xfrm>
-                </p:grpSpPr>
-                <p:sp>
-                  <p:nvSpPr>
-                    <p:cNvPr id="370" name="Ellipse 369">
-                      <a:extLst>
-                        <a:ext uri="{FF2B5EF4-FFF2-40B4-BE49-F238E27FC236}">
-                          <a16:creationId xmlns:a16="http://schemas.microsoft.com/office/drawing/2014/main" id="{A1E456F8-C9CC-4EEA-B213-562D9BD47F1F}"/>
-                        </a:ext>
-                      </a:extLst>
-                    </p:cNvPr>
-                    <p:cNvSpPr/>
-                    <p:nvPr/>
-                  </p:nvSpPr>
-                  <p:spPr>
-                    <a:xfrm>
-                      <a:off x="5110902" y="3157979"/>
-                      <a:ext cx="151762" cy="120242"/>
-                    </a:xfrm>
-                    <a:prstGeom prst="ellipse">
-                      <a:avLst/>
-                    </a:prstGeom>
-                    <a:solidFill>
-                      <a:schemeClr val="tx1"/>
-                    </a:solidFill>
-                  </p:spPr>
-                  <p:style>
-                    <a:lnRef idx="2">
-                      <a:schemeClr val="accent1">
-                        <a:shade val="50000"/>
-                      </a:schemeClr>
-                    </a:lnRef>
-                    <a:fillRef idx="1">
-                      <a:schemeClr val="accent1"/>
-                    </a:fillRef>
-                    <a:effectRef idx="0">
-                      <a:schemeClr val="accent1"/>
-                    </a:effectRef>
-                    <a:fontRef idx="minor">
-                      <a:schemeClr val="lt1"/>
-                    </a:fontRef>
-                  </p:style>
-                  <p:txBody>
-                    <a:bodyPr rtlCol="0" anchor="ctr"/>
-                    <a:lstStyle/>
-                    <a:p>
-                      <a:pPr algn="ctr"/>
-                      <a:endParaRPr lang="LID4096" sz="1400"/>
-                    </a:p>
-                  </p:txBody>
-                </p:sp>
-                <p:sp>
-                  <p:nvSpPr>
-                    <p:cNvPr id="371" name="Ellipse 370">
-                      <a:extLst>
-                        <a:ext uri="{FF2B5EF4-FFF2-40B4-BE49-F238E27FC236}">
-                          <a16:creationId xmlns:a16="http://schemas.microsoft.com/office/drawing/2014/main" id="{D3BA4F1F-5F3C-42BE-857F-A53B980BAB90}"/>
-                        </a:ext>
-                      </a:extLst>
-                    </p:cNvPr>
-                    <p:cNvSpPr/>
-                    <p:nvPr/>
-                  </p:nvSpPr>
-                  <p:spPr>
-                    <a:xfrm>
-                      <a:off x="5341124" y="3164462"/>
-                      <a:ext cx="151762" cy="120242"/>
-                    </a:xfrm>
-                    <a:prstGeom prst="ellipse">
-                      <a:avLst/>
-                    </a:prstGeom>
-                    <a:solidFill>
-                      <a:schemeClr val="tx1"/>
-                    </a:solidFill>
-                  </p:spPr>
-                  <p:style>
-                    <a:lnRef idx="2">
-                      <a:schemeClr val="accent1">
-                        <a:shade val="50000"/>
-                      </a:schemeClr>
-                    </a:lnRef>
-                    <a:fillRef idx="1">
-                      <a:schemeClr val="accent1"/>
-                    </a:fillRef>
-                    <a:effectRef idx="0">
-                      <a:schemeClr val="accent1"/>
-                    </a:effectRef>
-                    <a:fontRef idx="minor">
-                      <a:schemeClr val="lt1"/>
-                    </a:fontRef>
-                  </p:style>
-                  <p:txBody>
-                    <a:bodyPr rtlCol="0" anchor="ctr"/>
-                    <a:lstStyle/>
-                    <a:p>
-                      <a:pPr algn="ctr"/>
-                      <a:endParaRPr lang="LID4096" sz="1400"/>
-                    </a:p>
-                  </p:txBody>
-                </p:sp>
-                <p:sp>
-                  <p:nvSpPr>
-                    <p:cNvPr id="372" name="Ellipse 371">
-                      <a:extLst>
-                        <a:ext uri="{FF2B5EF4-FFF2-40B4-BE49-F238E27FC236}">
-                          <a16:creationId xmlns:a16="http://schemas.microsoft.com/office/drawing/2014/main" id="{58E90459-7BFB-4501-8E44-2EDF9C939CF8}"/>
-                        </a:ext>
-                      </a:extLst>
-                    </p:cNvPr>
-                    <p:cNvSpPr/>
-                    <p:nvPr/>
-                  </p:nvSpPr>
-                  <p:spPr>
-                    <a:xfrm>
-                      <a:off x="5610257" y="3170943"/>
-                      <a:ext cx="151762" cy="120242"/>
-                    </a:xfrm>
-                    <a:prstGeom prst="ellipse">
-                      <a:avLst/>
-                    </a:prstGeom>
-                    <a:solidFill>
-                      <a:schemeClr val="tx1"/>
-                    </a:solidFill>
-                  </p:spPr>
-                  <p:style>
-                    <a:lnRef idx="2">
-                      <a:schemeClr val="accent1">
-                        <a:shade val="50000"/>
-                      </a:schemeClr>
-                    </a:lnRef>
-                    <a:fillRef idx="1">
-                      <a:schemeClr val="accent1"/>
-                    </a:fillRef>
-                    <a:effectRef idx="0">
-                      <a:schemeClr val="accent1"/>
-                    </a:effectRef>
-                    <a:fontRef idx="minor">
-                      <a:schemeClr val="lt1"/>
-                    </a:fontRef>
-                  </p:style>
-                  <p:txBody>
-                    <a:bodyPr rtlCol="0" anchor="ctr"/>
-                    <a:lstStyle/>
-                    <a:p>
-                      <a:pPr algn="ctr"/>
-                      <a:endParaRPr lang="LID4096" sz="1400"/>
-                    </a:p>
-                  </p:txBody>
-                </p:sp>
-              </p:grpSp>
               <p:sp>
                 <p:nvSpPr>
                   <p:cNvPr id="367" name="Rechteck: abgerundete Ecken 366">
@@ -5616,174 +5488,6 @@
                   </a:fontRef>
                 </p:style>
               </p:cxnSp>
-              <p:grpSp>
-                <p:nvGrpSpPr>
-                  <p:cNvPr id="357" name="Gruppieren 356">
-                    <a:extLst>
-                      <a:ext uri="{FF2B5EF4-FFF2-40B4-BE49-F238E27FC236}">
-                        <a16:creationId xmlns:a16="http://schemas.microsoft.com/office/drawing/2014/main" id="{B2F028B9-0DCE-4131-9115-0B2715193F48}"/>
-                      </a:ext>
-                    </a:extLst>
-                  </p:cNvPr>
-                  <p:cNvGrpSpPr/>
-                  <p:nvPr/>
-                </p:nvGrpSpPr>
-                <p:grpSpPr>
-                  <a:xfrm>
-                    <a:off x="2406609" y="5589902"/>
-                    <a:ext cx="651117" cy="133206"/>
-                    <a:chOff x="5110902" y="3157979"/>
-                    <a:chExt cx="651117" cy="133206"/>
-                  </a:xfrm>
-                </p:grpSpPr>
-                <p:sp>
-                  <p:nvSpPr>
-                    <p:cNvPr id="361" name="Ellipse 360">
-                      <a:extLst>
-                        <a:ext uri="{FF2B5EF4-FFF2-40B4-BE49-F238E27FC236}">
-                          <a16:creationId xmlns:a16="http://schemas.microsoft.com/office/drawing/2014/main" id="{D2D28E7F-0DCD-44F2-9B6B-27A173E3DD22}"/>
-                        </a:ext>
-                      </a:extLst>
-                    </p:cNvPr>
-                    <p:cNvSpPr/>
-                    <p:nvPr/>
-                  </p:nvSpPr>
-                  <p:spPr>
-                    <a:xfrm>
-                      <a:off x="5110902" y="3157979"/>
-                      <a:ext cx="151762" cy="120242"/>
-                    </a:xfrm>
-                    <a:prstGeom prst="ellipse">
-                      <a:avLst/>
-                    </a:prstGeom>
-                    <a:solidFill>
-                      <a:schemeClr val="tx1"/>
-                    </a:solidFill>
-                  </p:spPr>
-                  <p:style>
-                    <a:lnRef idx="2">
-                      <a:schemeClr val="accent1">
-                        <a:shade val="50000"/>
-                      </a:schemeClr>
-                    </a:lnRef>
-                    <a:fillRef idx="1">
-                      <a:schemeClr val="accent1"/>
-                    </a:fillRef>
-                    <a:effectRef idx="0">
-                      <a:schemeClr val="accent1"/>
-                    </a:effectRef>
-                    <a:fontRef idx="minor">
-                      <a:schemeClr val="lt1"/>
-                    </a:fontRef>
-                  </p:style>
-                  <p:txBody>
-                    <a:bodyPr rtlCol="0" anchor="ctr"/>
-                    <a:lstStyle/>
-                    <a:p>
-                      <a:pPr algn="ctr"/>
-                      <a:endParaRPr lang="LID4096" sz="1400"/>
-                    </a:p>
-                  </p:txBody>
-                </p:sp>
-                <p:sp>
-                  <p:nvSpPr>
-                    <p:cNvPr id="362" name="Ellipse 361">
-                      <a:extLst>
-                        <a:ext uri="{FF2B5EF4-FFF2-40B4-BE49-F238E27FC236}">
-                          <a16:creationId xmlns:a16="http://schemas.microsoft.com/office/drawing/2014/main" id="{7E5B018A-DCB4-4BE7-9A1C-3444A61F8DF2}"/>
-                        </a:ext>
-                      </a:extLst>
-                    </p:cNvPr>
-                    <p:cNvSpPr/>
-                    <p:nvPr/>
-                  </p:nvSpPr>
-                  <p:spPr>
-                    <a:xfrm>
-                      <a:off x="5341124" y="3164462"/>
-                      <a:ext cx="151762" cy="120242"/>
-                    </a:xfrm>
-                    <a:prstGeom prst="ellipse">
-                      <a:avLst/>
-                    </a:prstGeom>
-                    <a:solidFill>
-                      <a:schemeClr val="tx1"/>
-                    </a:solidFill>
-                  </p:spPr>
-                  <p:style>
-                    <a:lnRef idx="2">
-                      <a:schemeClr val="accent1">
-                        <a:shade val="50000"/>
-                      </a:schemeClr>
-                    </a:lnRef>
-                    <a:fillRef idx="1">
-                      <a:schemeClr val="accent1"/>
-                    </a:fillRef>
-                    <a:effectRef idx="0">
-                      <a:schemeClr val="accent1"/>
-                    </a:effectRef>
-                    <a:fontRef idx="minor">
-                      <a:schemeClr val="lt1"/>
-                    </a:fontRef>
-                  </p:style>
-                  <p:txBody>
-                    <a:bodyPr rtlCol="0" anchor="ctr"/>
-                    <a:lstStyle/>
-                    <a:p>
-                      <a:pPr algn="ctr"/>
-                      <a:endParaRPr lang="LID4096" sz="1400"/>
-                    </a:p>
-                  </p:txBody>
-                </p:sp>
-                <p:sp>
-                  <p:nvSpPr>
-                    <p:cNvPr id="363" name="Ellipse 362">
-                      <a:extLst>
-                        <a:ext uri="{FF2B5EF4-FFF2-40B4-BE49-F238E27FC236}">
-                          <a16:creationId xmlns:a16="http://schemas.microsoft.com/office/drawing/2014/main" id="{324CEC34-4CAC-4AFC-8BCD-DEB37C6AED80}"/>
-                        </a:ext>
-                      </a:extLst>
-                    </p:cNvPr>
-                    <p:cNvSpPr/>
-                    <p:nvPr/>
-                  </p:nvSpPr>
-                  <p:spPr>
-                    <a:xfrm>
-                      <a:off x="5610257" y="3170943"/>
-                      <a:ext cx="151762" cy="120242"/>
-                    </a:xfrm>
-                    <a:prstGeom prst="ellipse">
-                      <a:avLst/>
-                    </a:prstGeom>
-                    <a:solidFill>
-                      <a:schemeClr val="tx1"/>
-                    </a:solidFill>
-                  </p:spPr>
-                  <p:style>
-                    <a:lnRef idx="2">
-                      <a:schemeClr val="accent1">
-                        <a:shade val="50000"/>
-                      </a:schemeClr>
-                    </a:lnRef>
-                    <a:fillRef idx="1">
-                      <a:schemeClr val="accent1"/>
-                    </a:fillRef>
-                    <a:effectRef idx="0">
-                      <a:schemeClr val="accent1"/>
-                    </a:effectRef>
-                    <a:fontRef idx="minor">
-                      <a:schemeClr val="lt1"/>
-                    </a:fontRef>
-                  </p:style>
-                  <p:txBody>
-                    <a:bodyPr rtlCol="0" anchor="ctr"/>
-                    <a:lstStyle/>
-                    <a:p>
-                      <a:pPr algn="ctr"/>
-                      <a:endParaRPr lang="LID4096" sz="1400"/>
-                    </a:p>
-                  </p:txBody>
-                </p:sp>
-              </p:grpSp>
               <p:sp>
                 <p:nvSpPr>
                   <p:cNvPr id="358" name="Rechteck: abgerundete Ecken 357">
@@ -6157,174 +5861,6 @@
                   </a:fontRef>
                 </p:style>
               </p:cxnSp>
-              <p:grpSp>
-                <p:nvGrpSpPr>
-                  <p:cNvPr id="348" name="Gruppieren 347">
-                    <a:extLst>
-                      <a:ext uri="{FF2B5EF4-FFF2-40B4-BE49-F238E27FC236}">
-                        <a16:creationId xmlns:a16="http://schemas.microsoft.com/office/drawing/2014/main" id="{6EDC08F8-E399-4C16-A740-6251153EADB0}"/>
-                      </a:ext>
-                    </a:extLst>
-                  </p:cNvPr>
-                  <p:cNvGrpSpPr/>
-                  <p:nvPr/>
-                </p:nvGrpSpPr>
-                <p:grpSpPr>
-                  <a:xfrm>
-                    <a:off x="2406609" y="5589902"/>
-                    <a:ext cx="651117" cy="133206"/>
-                    <a:chOff x="5110902" y="3157979"/>
-                    <a:chExt cx="651117" cy="133206"/>
-                  </a:xfrm>
-                </p:grpSpPr>
-                <p:sp>
-                  <p:nvSpPr>
-                    <p:cNvPr id="352" name="Ellipse 351">
-                      <a:extLst>
-                        <a:ext uri="{FF2B5EF4-FFF2-40B4-BE49-F238E27FC236}">
-                          <a16:creationId xmlns:a16="http://schemas.microsoft.com/office/drawing/2014/main" id="{3DEC459F-5721-44F2-80CE-F93460270BCA}"/>
-                        </a:ext>
-                      </a:extLst>
-                    </p:cNvPr>
-                    <p:cNvSpPr/>
-                    <p:nvPr/>
-                  </p:nvSpPr>
-                  <p:spPr>
-                    <a:xfrm>
-                      <a:off x="5110902" y="3157979"/>
-                      <a:ext cx="151762" cy="120242"/>
-                    </a:xfrm>
-                    <a:prstGeom prst="ellipse">
-                      <a:avLst/>
-                    </a:prstGeom>
-                    <a:solidFill>
-                      <a:schemeClr val="tx1"/>
-                    </a:solidFill>
-                  </p:spPr>
-                  <p:style>
-                    <a:lnRef idx="2">
-                      <a:schemeClr val="accent1">
-                        <a:shade val="50000"/>
-                      </a:schemeClr>
-                    </a:lnRef>
-                    <a:fillRef idx="1">
-                      <a:schemeClr val="accent1"/>
-                    </a:fillRef>
-                    <a:effectRef idx="0">
-                      <a:schemeClr val="accent1"/>
-                    </a:effectRef>
-                    <a:fontRef idx="minor">
-                      <a:schemeClr val="lt1"/>
-                    </a:fontRef>
-                  </p:style>
-                  <p:txBody>
-                    <a:bodyPr rtlCol="0" anchor="ctr"/>
-                    <a:lstStyle/>
-                    <a:p>
-                      <a:pPr algn="ctr"/>
-                      <a:endParaRPr lang="LID4096" sz="1400"/>
-                    </a:p>
-                  </p:txBody>
-                </p:sp>
-                <p:sp>
-                  <p:nvSpPr>
-                    <p:cNvPr id="353" name="Ellipse 352">
-                      <a:extLst>
-                        <a:ext uri="{FF2B5EF4-FFF2-40B4-BE49-F238E27FC236}">
-                          <a16:creationId xmlns:a16="http://schemas.microsoft.com/office/drawing/2014/main" id="{1444B958-6FC0-4E47-AC41-BECB8FAC3686}"/>
-                        </a:ext>
-                      </a:extLst>
-                    </p:cNvPr>
-                    <p:cNvSpPr/>
-                    <p:nvPr/>
-                  </p:nvSpPr>
-                  <p:spPr>
-                    <a:xfrm>
-                      <a:off x="5341124" y="3164462"/>
-                      <a:ext cx="151762" cy="120242"/>
-                    </a:xfrm>
-                    <a:prstGeom prst="ellipse">
-                      <a:avLst/>
-                    </a:prstGeom>
-                    <a:solidFill>
-                      <a:schemeClr val="tx1"/>
-                    </a:solidFill>
-                  </p:spPr>
-                  <p:style>
-                    <a:lnRef idx="2">
-                      <a:schemeClr val="accent1">
-                        <a:shade val="50000"/>
-                      </a:schemeClr>
-                    </a:lnRef>
-                    <a:fillRef idx="1">
-                      <a:schemeClr val="accent1"/>
-                    </a:fillRef>
-                    <a:effectRef idx="0">
-                      <a:schemeClr val="accent1"/>
-                    </a:effectRef>
-                    <a:fontRef idx="minor">
-                      <a:schemeClr val="lt1"/>
-                    </a:fontRef>
-                  </p:style>
-                  <p:txBody>
-                    <a:bodyPr rtlCol="0" anchor="ctr"/>
-                    <a:lstStyle/>
-                    <a:p>
-                      <a:pPr algn="ctr"/>
-                      <a:endParaRPr lang="LID4096" sz="1400"/>
-                    </a:p>
-                  </p:txBody>
-                </p:sp>
-                <p:sp>
-                  <p:nvSpPr>
-                    <p:cNvPr id="354" name="Ellipse 353">
-                      <a:extLst>
-                        <a:ext uri="{FF2B5EF4-FFF2-40B4-BE49-F238E27FC236}">
-                          <a16:creationId xmlns:a16="http://schemas.microsoft.com/office/drawing/2014/main" id="{A4E730AC-B075-4A69-A260-A63FFB58947D}"/>
-                        </a:ext>
-                      </a:extLst>
-                    </p:cNvPr>
-                    <p:cNvSpPr/>
-                    <p:nvPr/>
-                  </p:nvSpPr>
-                  <p:spPr>
-                    <a:xfrm>
-                      <a:off x="5610257" y="3170943"/>
-                      <a:ext cx="151762" cy="120242"/>
-                    </a:xfrm>
-                    <a:prstGeom prst="ellipse">
-                      <a:avLst/>
-                    </a:prstGeom>
-                    <a:solidFill>
-                      <a:schemeClr val="tx1"/>
-                    </a:solidFill>
-                  </p:spPr>
-                  <p:style>
-                    <a:lnRef idx="2">
-                      <a:schemeClr val="accent1">
-                        <a:shade val="50000"/>
-                      </a:schemeClr>
-                    </a:lnRef>
-                    <a:fillRef idx="1">
-                      <a:schemeClr val="accent1"/>
-                    </a:fillRef>
-                    <a:effectRef idx="0">
-                      <a:schemeClr val="accent1"/>
-                    </a:effectRef>
-                    <a:fontRef idx="minor">
-                      <a:schemeClr val="lt1"/>
-                    </a:fontRef>
-                  </p:style>
-                  <p:txBody>
-                    <a:bodyPr rtlCol="0" anchor="ctr"/>
-                    <a:lstStyle/>
-                    <a:p>
-                      <a:pPr algn="ctr"/>
-                      <a:endParaRPr lang="LID4096" sz="1400"/>
-                    </a:p>
-                  </p:txBody>
-                </p:sp>
-              </p:grpSp>
               <p:sp>
                 <p:nvSpPr>
                   <p:cNvPr id="349" name="Rechteck: abgerundete Ecken 348">
@@ -6560,10 +6096,10 @@
               </p:nvGrpSpPr>
               <p:grpSpPr>
                 <a:xfrm>
-                  <a:off x="3659643" y="3235371"/>
-                  <a:ext cx="742823" cy="141640"/>
-                  <a:chOff x="4327606" y="4336182"/>
-                  <a:chExt cx="538203" cy="119479"/>
+                  <a:off x="1803522" y="4372023"/>
+                  <a:ext cx="483942" cy="69776"/>
+                  <a:chOff x="2982767" y="5295009"/>
+                  <a:chExt cx="350633" cy="58859"/>
                 </a:xfrm>
               </p:grpSpPr>
               <p:sp>
@@ -6580,8 +6116,8 @@
                 </p:nvSpPr>
                 <p:spPr>
                   <a:xfrm>
-                    <a:off x="4327606" y="4336182"/>
-                    <a:ext cx="125444" cy="107851"/>
+                    <a:off x="2982767" y="5295395"/>
+                    <a:ext cx="68652" cy="56650"/>
                   </a:xfrm>
                   <a:prstGeom prst="ellipse">
                     <a:avLst/>
@@ -6629,8 +6165,8 @@
                 </p:nvSpPr>
                 <p:spPr>
                   <a:xfrm>
-                    <a:off x="4517904" y="4341997"/>
-                    <a:ext cx="125444" cy="107851"/>
+                    <a:off x="3122204" y="5297218"/>
+                    <a:ext cx="68652" cy="56650"/>
                   </a:xfrm>
                   <a:prstGeom prst="ellipse">
                     <a:avLst/>
@@ -6678,176 +6214,8 @@
                 </p:nvSpPr>
                 <p:spPr>
                   <a:xfrm>
-                    <a:off x="4740365" y="4347810"/>
-                    <a:ext cx="125444" cy="107851"/>
-                  </a:xfrm>
-                  <a:prstGeom prst="ellipse">
-                    <a:avLst/>
-                  </a:prstGeom>
-                  <a:solidFill>
-                    <a:schemeClr val="tx1"/>
-                  </a:solidFill>
-                </p:spPr>
-                <p:style>
-                  <a:lnRef idx="2">
-                    <a:schemeClr val="accent1">
-                      <a:shade val="50000"/>
-                    </a:schemeClr>
-                  </a:lnRef>
-                  <a:fillRef idx="1">
-                    <a:schemeClr val="accent1"/>
-                  </a:fillRef>
-                  <a:effectRef idx="0">
-                    <a:schemeClr val="accent1"/>
-                  </a:effectRef>
-                  <a:fontRef idx="minor">
-                    <a:schemeClr val="lt1"/>
-                  </a:fontRef>
-                </p:style>
-                <p:txBody>
-                  <a:bodyPr rtlCol="0" anchor="ctr"/>
-                  <a:lstStyle/>
-                  <a:p>
-                    <a:pPr algn="ctr"/>
-                    <a:endParaRPr lang="LID4096" sz="1400"/>
-                  </a:p>
-                </p:txBody>
-              </p:sp>
-            </p:grpSp>
-            <p:grpSp>
-              <p:nvGrpSpPr>
-                <p:cNvPr id="337" name="Gruppieren 336">
-                  <a:extLst>
-                    <a:ext uri="{FF2B5EF4-FFF2-40B4-BE49-F238E27FC236}">
-                      <a16:creationId xmlns:a16="http://schemas.microsoft.com/office/drawing/2014/main" id="{F3E5B7DD-B22A-41CC-BFA3-E906DF38AF51}"/>
-                    </a:ext>
-                  </a:extLst>
-                </p:cNvPr>
-                <p:cNvGrpSpPr/>
-                <p:nvPr/>
-              </p:nvGrpSpPr>
-              <p:grpSpPr>
-                <a:xfrm>
-                  <a:off x="7589822" y="3199809"/>
-                  <a:ext cx="742823" cy="141640"/>
-                  <a:chOff x="4327606" y="4336182"/>
-                  <a:chExt cx="538203" cy="119479"/>
-                </a:xfrm>
-              </p:grpSpPr>
-              <p:sp>
-                <p:nvSpPr>
-                  <p:cNvPr id="340" name="Ellipse 339">
-                    <a:extLst>
-                      <a:ext uri="{FF2B5EF4-FFF2-40B4-BE49-F238E27FC236}">
-                        <a16:creationId xmlns:a16="http://schemas.microsoft.com/office/drawing/2014/main" id="{95DC1CF0-CEEE-4AA4-AB2B-CB21A1B960C4}"/>
-                      </a:ext>
-                    </a:extLst>
-                  </p:cNvPr>
-                  <p:cNvSpPr/>
-                  <p:nvPr/>
-                </p:nvSpPr>
-                <p:spPr>
-                  <a:xfrm>
-                    <a:off x="4327606" y="4336182"/>
-                    <a:ext cx="125444" cy="107851"/>
-                  </a:xfrm>
-                  <a:prstGeom prst="ellipse">
-                    <a:avLst/>
-                  </a:prstGeom>
-                  <a:solidFill>
-                    <a:schemeClr val="tx1"/>
-                  </a:solidFill>
-                </p:spPr>
-                <p:style>
-                  <a:lnRef idx="2">
-                    <a:schemeClr val="accent1">
-                      <a:shade val="50000"/>
-                    </a:schemeClr>
-                  </a:lnRef>
-                  <a:fillRef idx="1">
-                    <a:schemeClr val="accent1"/>
-                  </a:fillRef>
-                  <a:effectRef idx="0">
-                    <a:schemeClr val="accent1"/>
-                  </a:effectRef>
-                  <a:fontRef idx="minor">
-                    <a:schemeClr val="lt1"/>
-                  </a:fontRef>
-                </p:style>
-                <p:txBody>
-                  <a:bodyPr rtlCol="0" anchor="ctr"/>
-                  <a:lstStyle/>
-                  <a:p>
-                    <a:pPr algn="ctr"/>
-                    <a:endParaRPr lang="LID4096" sz="1400"/>
-                  </a:p>
-                </p:txBody>
-              </p:sp>
-              <p:sp>
-                <p:nvSpPr>
-                  <p:cNvPr id="341" name="Ellipse 340">
-                    <a:extLst>
-                      <a:ext uri="{FF2B5EF4-FFF2-40B4-BE49-F238E27FC236}">
-                        <a16:creationId xmlns:a16="http://schemas.microsoft.com/office/drawing/2014/main" id="{6AF7B71E-5BA3-4F1B-A404-F8B9C1666B6A}"/>
-                      </a:ext>
-                    </a:extLst>
-                  </p:cNvPr>
-                  <p:cNvSpPr/>
-                  <p:nvPr/>
-                </p:nvSpPr>
-                <p:spPr>
-                  <a:xfrm>
-                    <a:off x="4517904" y="4341997"/>
-                    <a:ext cx="125444" cy="107851"/>
-                  </a:xfrm>
-                  <a:prstGeom prst="ellipse">
-                    <a:avLst/>
-                  </a:prstGeom>
-                  <a:solidFill>
-                    <a:schemeClr val="tx1"/>
-                  </a:solidFill>
-                </p:spPr>
-                <p:style>
-                  <a:lnRef idx="2">
-                    <a:schemeClr val="accent1">
-                      <a:shade val="50000"/>
-                    </a:schemeClr>
-                  </a:lnRef>
-                  <a:fillRef idx="1">
-                    <a:schemeClr val="accent1"/>
-                  </a:fillRef>
-                  <a:effectRef idx="0">
-                    <a:schemeClr val="accent1"/>
-                  </a:effectRef>
-                  <a:fontRef idx="minor">
-                    <a:schemeClr val="lt1"/>
-                  </a:fontRef>
-                </p:style>
-                <p:txBody>
-                  <a:bodyPr rtlCol="0" anchor="ctr"/>
-                  <a:lstStyle/>
-                  <a:p>
-                    <a:pPr algn="ctr"/>
-                    <a:endParaRPr lang="LID4096" sz="1400"/>
-                  </a:p>
-                </p:txBody>
-              </p:sp>
-              <p:sp>
-                <p:nvSpPr>
-                  <p:cNvPr id="342" name="Ellipse 341">
-                    <a:extLst>
-                      <a:ext uri="{FF2B5EF4-FFF2-40B4-BE49-F238E27FC236}">
-                        <a16:creationId xmlns:a16="http://schemas.microsoft.com/office/drawing/2014/main" id="{70D54D4C-41F4-4697-A64A-2C37869BA77D}"/>
-                      </a:ext>
-                    </a:extLst>
-                  </p:cNvPr>
-                  <p:cNvSpPr/>
-                  <p:nvPr/>
-                </p:nvSpPr>
-                <p:spPr>
-                  <a:xfrm>
-                    <a:off x="4740365" y="4347810"/>
-                    <a:ext cx="125444" cy="107851"/>
+                    <a:off x="3264748" y="5295009"/>
+                    <a:ext cx="68652" cy="56650"/>
                   </a:xfrm>
                   <a:prstGeom prst="ellipse">
                     <a:avLst/>
@@ -6931,7 +6299,7 @@
                   </a:r>
                   <a:r>
                     <a:rPr lang="de-DE" sz="1050" dirty="0" err="1"/>
-                    <a:t>production</a:t>
+                    <a:t>composition</a:t>
                   </a:r>
                   <a:r>
                     <a:rPr lang="de-DE" sz="1050" dirty="0"/>
@@ -6994,7 +6362,7 @@
                   </a:r>
                   <a:r>
                     <a:rPr lang="de-DE" sz="1050" dirty="0" err="1"/>
-                    <a:t>production</a:t>
+                    <a:t>composition</a:t>
                   </a:r>
                   <a:r>
                     <a:rPr lang="de-DE" sz="1050" dirty="0"/>
@@ -7429,7 +6797,7 @@
           <p:spPr>
             <a:xfrm>
               <a:off x="5012181" y="2468544"/>
-              <a:ext cx="1777025" cy="276999"/>
+              <a:ext cx="1778500" cy="276999"/>
             </a:xfrm>
             <a:prstGeom prst="rect">
               <a:avLst/>
@@ -7448,7 +6816,7 @@
               </a:r>
               <a:r>
                 <a:rPr lang="de-DE" sz="1200" dirty="0" err="1"/>
-                <a:t>composiiton</a:t>
+                <a:t>composition</a:t>
               </a:r>
               <a:r>
                 <a:rPr lang="de-DE" sz="1200" dirty="0"/>
@@ -7612,6 +6980,594 @@
           </p:txBody>
         </p:sp>
       </p:grpSp>
+      <p:sp>
+        <p:nvSpPr>
+          <p:cNvPr id="76" name="Ellipse 75">
+            <a:extLst>
+              <a:ext uri="{FF2B5EF4-FFF2-40B4-BE49-F238E27FC236}">
+                <a16:creationId xmlns:a16="http://schemas.microsoft.com/office/drawing/2014/main" id="{08A6E863-95F7-4A8F-A88B-6175D2B0F699}"/>
+              </a:ext>
+            </a:extLst>
+          </p:cNvPr>
+          <p:cNvSpPr/>
+          <p:nvPr/>
+        </p:nvSpPr>
+        <p:spPr>
+          <a:xfrm>
+            <a:off x="7196245" y="3061423"/>
+            <a:ext cx="131562" cy="137076"/>
+          </a:xfrm>
+          <a:prstGeom prst="ellipse">
+            <a:avLst/>
+          </a:prstGeom>
+          <a:solidFill>
+            <a:schemeClr val="tx1"/>
+          </a:solidFill>
+        </p:spPr>
+        <p:style>
+          <a:lnRef idx="2">
+            <a:schemeClr val="accent1">
+              <a:shade val="50000"/>
+            </a:schemeClr>
+          </a:lnRef>
+          <a:fillRef idx="1">
+            <a:schemeClr val="accent1"/>
+          </a:fillRef>
+          <a:effectRef idx="0">
+            <a:schemeClr val="accent1"/>
+          </a:effectRef>
+          <a:fontRef idx="minor">
+            <a:schemeClr val="lt1"/>
+          </a:fontRef>
+        </p:style>
+        <p:txBody>
+          <a:bodyPr rtlCol="0" anchor="ctr"/>
+          <a:lstStyle/>
+          <a:p>
+            <a:pPr algn="ctr"/>
+            <a:endParaRPr lang="LID4096" sz="1400"/>
+          </a:p>
+        </p:txBody>
+      </p:sp>
+      <p:sp>
+        <p:nvSpPr>
+          <p:cNvPr id="77" name="Ellipse 76">
+            <a:extLst>
+              <a:ext uri="{FF2B5EF4-FFF2-40B4-BE49-F238E27FC236}">
+                <a16:creationId xmlns:a16="http://schemas.microsoft.com/office/drawing/2014/main" id="{5C81DB4A-5786-4A9B-B8AD-22ABCE539321}"/>
+              </a:ext>
+            </a:extLst>
+          </p:cNvPr>
+          <p:cNvSpPr/>
+          <p:nvPr/>
+        </p:nvSpPr>
+        <p:spPr>
+          <a:xfrm>
+            <a:off x="7395824" y="3063739"/>
+            <a:ext cx="131562" cy="137074"/>
+          </a:xfrm>
+          <a:prstGeom prst="ellipse">
+            <a:avLst/>
+          </a:prstGeom>
+          <a:solidFill>
+            <a:schemeClr val="tx1"/>
+          </a:solidFill>
+        </p:spPr>
+        <p:style>
+          <a:lnRef idx="2">
+            <a:schemeClr val="accent1">
+              <a:shade val="50000"/>
+            </a:schemeClr>
+          </a:lnRef>
+          <a:fillRef idx="1">
+            <a:schemeClr val="accent1"/>
+          </a:fillRef>
+          <a:effectRef idx="0">
+            <a:schemeClr val="accent1"/>
+          </a:effectRef>
+          <a:fontRef idx="minor">
+            <a:schemeClr val="lt1"/>
+          </a:fontRef>
+        </p:style>
+        <p:txBody>
+          <a:bodyPr rtlCol="0" anchor="ctr"/>
+          <a:lstStyle/>
+          <a:p>
+            <a:pPr algn="ctr"/>
+            <a:endParaRPr lang="LID4096" sz="1400"/>
+          </a:p>
+        </p:txBody>
+      </p:sp>
+      <p:sp>
+        <p:nvSpPr>
+          <p:cNvPr id="78" name="Ellipse 77">
+            <a:extLst>
+              <a:ext uri="{FF2B5EF4-FFF2-40B4-BE49-F238E27FC236}">
+                <a16:creationId xmlns:a16="http://schemas.microsoft.com/office/drawing/2014/main" id="{A79F16DD-98AD-4B35-A490-EE9FBF406764}"/>
+              </a:ext>
+            </a:extLst>
+          </p:cNvPr>
+          <p:cNvSpPr/>
+          <p:nvPr/>
+        </p:nvSpPr>
+        <p:spPr>
+          <a:xfrm>
+            <a:off x="7606277" y="3060940"/>
+            <a:ext cx="131562" cy="137073"/>
+          </a:xfrm>
+          <a:prstGeom prst="ellipse">
+            <a:avLst/>
+          </a:prstGeom>
+          <a:solidFill>
+            <a:schemeClr val="tx1"/>
+          </a:solidFill>
+        </p:spPr>
+        <p:style>
+          <a:lnRef idx="2">
+            <a:schemeClr val="accent1">
+              <a:shade val="50000"/>
+            </a:schemeClr>
+          </a:lnRef>
+          <a:fillRef idx="1">
+            <a:schemeClr val="accent1"/>
+          </a:fillRef>
+          <a:effectRef idx="0">
+            <a:schemeClr val="accent1"/>
+          </a:effectRef>
+          <a:fontRef idx="minor">
+            <a:schemeClr val="lt1"/>
+          </a:fontRef>
+        </p:style>
+        <p:txBody>
+          <a:bodyPr rtlCol="0" anchor="ctr"/>
+          <a:lstStyle/>
+          <a:p>
+            <a:pPr algn="ctr"/>
+            <a:endParaRPr lang="LID4096" sz="1400"/>
+          </a:p>
+        </p:txBody>
+      </p:sp>
+      <p:sp>
+        <p:nvSpPr>
+          <p:cNvPr id="79" name="Ellipse 78">
+            <a:extLst>
+              <a:ext uri="{FF2B5EF4-FFF2-40B4-BE49-F238E27FC236}">
+                <a16:creationId xmlns:a16="http://schemas.microsoft.com/office/drawing/2014/main" id="{08A6E863-95F7-4A8F-A88B-6175D2B0F699}"/>
+              </a:ext>
+            </a:extLst>
+          </p:cNvPr>
+          <p:cNvSpPr/>
+          <p:nvPr/>
+        </p:nvSpPr>
+        <p:spPr>
+          <a:xfrm>
+            <a:off x="5877264" y="4272892"/>
+            <a:ext cx="72000" cy="71999"/>
+          </a:xfrm>
+          <a:prstGeom prst="ellipse">
+            <a:avLst/>
+          </a:prstGeom>
+          <a:solidFill>
+            <a:schemeClr val="tx1"/>
+          </a:solidFill>
+        </p:spPr>
+        <p:style>
+          <a:lnRef idx="2">
+            <a:schemeClr val="accent1">
+              <a:shade val="50000"/>
+            </a:schemeClr>
+          </a:lnRef>
+          <a:fillRef idx="1">
+            <a:schemeClr val="accent1"/>
+          </a:fillRef>
+          <a:effectRef idx="0">
+            <a:schemeClr val="accent1"/>
+          </a:effectRef>
+          <a:fontRef idx="minor">
+            <a:schemeClr val="lt1"/>
+          </a:fontRef>
+        </p:style>
+        <p:txBody>
+          <a:bodyPr rtlCol="0" anchor="ctr"/>
+          <a:lstStyle/>
+          <a:p>
+            <a:pPr algn="ctr"/>
+            <a:endParaRPr lang="LID4096" sz="1400"/>
+          </a:p>
+        </p:txBody>
+      </p:sp>
+      <p:sp>
+        <p:nvSpPr>
+          <p:cNvPr id="80" name="Ellipse 79">
+            <a:extLst>
+              <a:ext uri="{FF2B5EF4-FFF2-40B4-BE49-F238E27FC236}">
+                <a16:creationId xmlns:a16="http://schemas.microsoft.com/office/drawing/2014/main" id="{5C81DB4A-5786-4A9B-B8AD-22ABCE539321}"/>
+              </a:ext>
+            </a:extLst>
+          </p:cNvPr>
+          <p:cNvSpPr/>
+          <p:nvPr/>
+        </p:nvSpPr>
+        <p:spPr>
+          <a:xfrm>
+            <a:off x="6023502" y="4275209"/>
+            <a:ext cx="72000" cy="71999"/>
+          </a:xfrm>
+          <a:prstGeom prst="ellipse">
+            <a:avLst/>
+          </a:prstGeom>
+          <a:solidFill>
+            <a:schemeClr val="tx1"/>
+          </a:solidFill>
+        </p:spPr>
+        <p:style>
+          <a:lnRef idx="2">
+            <a:schemeClr val="accent1">
+              <a:shade val="50000"/>
+            </a:schemeClr>
+          </a:lnRef>
+          <a:fillRef idx="1">
+            <a:schemeClr val="accent1"/>
+          </a:fillRef>
+          <a:effectRef idx="0">
+            <a:schemeClr val="accent1"/>
+          </a:effectRef>
+          <a:fontRef idx="minor">
+            <a:schemeClr val="lt1"/>
+          </a:fontRef>
+        </p:style>
+        <p:txBody>
+          <a:bodyPr rtlCol="0" anchor="ctr"/>
+          <a:lstStyle/>
+          <a:p>
+            <a:pPr algn="ctr"/>
+            <a:endParaRPr lang="LID4096" sz="1400"/>
+          </a:p>
+        </p:txBody>
+      </p:sp>
+      <p:sp>
+        <p:nvSpPr>
+          <p:cNvPr id="81" name="Ellipse 80">
+            <a:extLst>
+              <a:ext uri="{FF2B5EF4-FFF2-40B4-BE49-F238E27FC236}">
+                <a16:creationId xmlns:a16="http://schemas.microsoft.com/office/drawing/2014/main" id="{A79F16DD-98AD-4B35-A490-EE9FBF406764}"/>
+              </a:ext>
+            </a:extLst>
+          </p:cNvPr>
+          <p:cNvSpPr/>
+          <p:nvPr/>
+        </p:nvSpPr>
+        <p:spPr>
+          <a:xfrm>
+            <a:off x="6172999" y="4272401"/>
+            <a:ext cx="72000" cy="71999"/>
+          </a:xfrm>
+          <a:prstGeom prst="ellipse">
+            <a:avLst/>
+          </a:prstGeom>
+          <a:solidFill>
+            <a:schemeClr val="tx1"/>
+          </a:solidFill>
+        </p:spPr>
+        <p:style>
+          <a:lnRef idx="2">
+            <a:schemeClr val="accent1">
+              <a:shade val="50000"/>
+            </a:schemeClr>
+          </a:lnRef>
+          <a:fillRef idx="1">
+            <a:schemeClr val="accent1"/>
+          </a:fillRef>
+          <a:effectRef idx="0">
+            <a:schemeClr val="accent1"/>
+          </a:effectRef>
+          <a:fontRef idx="minor">
+            <a:schemeClr val="lt1"/>
+          </a:fontRef>
+        </p:style>
+        <p:txBody>
+          <a:bodyPr rtlCol="0" anchor="ctr"/>
+          <a:lstStyle/>
+          <a:p>
+            <a:pPr algn="ctr"/>
+            <a:endParaRPr lang="LID4096" sz="1400"/>
+          </a:p>
+        </p:txBody>
+      </p:sp>
+      <p:sp>
+        <p:nvSpPr>
+          <p:cNvPr id="82" name="Ellipse 81">
+            <a:extLst>
+              <a:ext uri="{FF2B5EF4-FFF2-40B4-BE49-F238E27FC236}">
+                <a16:creationId xmlns:a16="http://schemas.microsoft.com/office/drawing/2014/main" id="{08A6E863-95F7-4A8F-A88B-6175D2B0F699}"/>
+              </a:ext>
+            </a:extLst>
+          </p:cNvPr>
+          <p:cNvSpPr/>
+          <p:nvPr/>
+        </p:nvSpPr>
+        <p:spPr>
+          <a:xfrm>
+            <a:off x="8780484" y="4257652"/>
+            <a:ext cx="72000" cy="71999"/>
+          </a:xfrm>
+          <a:prstGeom prst="ellipse">
+            <a:avLst/>
+          </a:prstGeom>
+          <a:solidFill>
+            <a:schemeClr val="tx1"/>
+          </a:solidFill>
+        </p:spPr>
+        <p:style>
+          <a:lnRef idx="2">
+            <a:schemeClr val="accent1">
+              <a:shade val="50000"/>
+            </a:schemeClr>
+          </a:lnRef>
+          <a:fillRef idx="1">
+            <a:schemeClr val="accent1"/>
+          </a:fillRef>
+          <a:effectRef idx="0">
+            <a:schemeClr val="accent1"/>
+          </a:effectRef>
+          <a:fontRef idx="minor">
+            <a:schemeClr val="lt1"/>
+          </a:fontRef>
+        </p:style>
+        <p:txBody>
+          <a:bodyPr rtlCol="0" anchor="ctr"/>
+          <a:lstStyle/>
+          <a:p>
+            <a:pPr algn="ctr"/>
+            <a:endParaRPr lang="LID4096" sz="1400"/>
+          </a:p>
+        </p:txBody>
+      </p:sp>
+      <p:sp>
+        <p:nvSpPr>
+          <p:cNvPr id="83" name="Ellipse 82">
+            <a:extLst>
+              <a:ext uri="{FF2B5EF4-FFF2-40B4-BE49-F238E27FC236}">
+                <a16:creationId xmlns:a16="http://schemas.microsoft.com/office/drawing/2014/main" id="{5C81DB4A-5786-4A9B-B8AD-22ABCE539321}"/>
+              </a:ext>
+            </a:extLst>
+          </p:cNvPr>
+          <p:cNvSpPr/>
+          <p:nvPr/>
+        </p:nvSpPr>
+        <p:spPr>
+          <a:xfrm>
+            <a:off x="8926722" y="4259969"/>
+            <a:ext cx="72000" cy="71999"/>
+          </a:xfrm>
+          <a:prstGeom prst="ellipse">
+            <a:avLst/>
+          </a:prstGeom>
+          <a:solidFill>
+            <a:schemeClr val="tx1"/>
+          </a:solidFill>
+        </p:spPr>
+        <p:style>
+          <a:lnRef idx="2">
+            <a:schemeClr val="accent1">
+              <a:shade val="50000"/>
+            </a:schemeClr>
+          </a:lnRef>
+          <a:fillRef idx="1">
+            <a:schemeClr val="accent1"/>
+          </a:fillRef>
+          <a:effectRef idx="0">
+            <a:schemeClr val="accent1"/>
+          </a:effectRef>
+          <a:fontRef idx="minor">
+            <a:schemeClr val="lt1"/>
+          </a:fontRef>
+        </p:style>
+        <p:txBody>
+          <a:bodyPr rtlCol="0" anchor="ctr"/>
+          <a:lstStyle/>
+          <a:p>
+            <a:pPr algn="ctr"/>
+            <a:endParaRPr lang="LID4096" sz="1400"/>
+          </a:p>
+        </p:txBody>
+      </p:sp>
+      <p:sp>
+        <p:nvSpPr>
+          <p:cNvPr id="84" name="Ellipse 83">
+            <a:extLst>
+              <a:ext uri="{FF2B5EF4-FFF2-40B4-BE49-F238E27FC236}">
+                <a16:creationId xmlns:a16="http://schemas.microsoft.com/office/drawing/2014/main" id="{A79F16DD-98AD-4B35-A490-EE9FBF406764}"/>
+              </a:ext>
+            </a:extLst>
+          </p:cNvPr>
+          <p:cNvSpPr/>
+          <p:nvPr/>
+        </p:nvSpPr>
+        <p:spPr>
+          <a:xfrm>
+            <a:off x="9076219" y="4257161"/>
+            <a:ext cx="72000" cy="71999"/>
+          </a:xfrm>
+          <a:prstGeom prst="ellipse">
+            <a:avLst/>
+          </a:prstGeom>
+          <a:solidFill>
+            <a:schemeClr val="tx1"/>
+          </a:solidFill>
+        </p:spPr>
+        <p:style>
+          <a:lnRef idx="2">
+            <a:schemeClr val="accent1">
+              <a:shade val="50000"/>
+            </a:schemeClr>
+          </a:lnRef>
+          <a:fillRef idx="1">
+            <a:schemeClr val="accent1"/>
+          </a:fillRef>
+          <a:effectRef idx="0">
+            <a:schemeClr val="accent1"/>
+          </a:effectRef>
+          <a:fontRef idx="minor">
+            <a:schemeClr val="lt1"/>
+          </a:fontRef>
+        </p:style>
+        <p:txBody>
+          <a:bodyPr rtlCol="0" anchor="ctr"/>
+          <a:lstStyle/>
+          <a:p>
+            <a:pPr algn="ctr"/>
+            <a:endParaRPr lang="LID4096" sz="1400"/>
+          </a:p>
+        </p:txBody>
+      </p:sp>
+      <p:sp>
+        <p:nvSpPr>
+          <p:cNvPr id="69" name="Ellipse 68">
+            <a:extLst>
+              <a:ext uri="{FF2B5EF4-FFF2-40B4-BE49-F238E27FC236}">
+                <a16:creationId xmlns:a16="http://schemas.microsoft.com/office/drawing/2014/main" id="{08A6E863-95F7-4A8F-A88B-6175D2B0F699}"/>
+              </a:ext>
+            </a:extLst>
+          </p:cNvPr>
+          <p:cNvSpPr/>
+          <p:nvPr/>
+        </p:nvSpPr>
+        <p:spPr>
+          <a:xfrm>
+            <a:off x="4160945" y="3055073"/>
+            <a:ext cx="131562" cy="137076"/>
+          </a:xfrm>
+          <a:prstGeom prst="ellipse">
+            <a:avLst/>
+          </a:prstGeom>
+          <a:solidFill>
+            <a:schemeClr val="tx1"/>
+          </a:solidFill>
+        </p:spPr>
+        <p:style>
+          <a:lnRef idx="2">
+            <a:schemeClr val="accent1">
+              <a:shade val="50000"/>
+            </a:schemeClr>
+          </a:lnRef>
+          <a:fillRef idx="1">
+            <a:schemeClr val="accent1"/>
+          </a:fillRef>
+          <a:effectRef idx="0">
+            <a:schemeClr val="accent1"/>
+          </a:effectRef>
+          <a:fontRef idx="minor">
+            <a:schemeClr val="lt1"/>
+          </a:fontRef>
+        </p:style>
+        <p:txBody>
+          <a:bodyPr rtlCol="0" anchor="ctr"/>
+          <a:lstStyle/>
+          <a:p>
+            <a:pPr algn="ctr"/>
+            <a:endParaRPr lang="LID4096" sz="1400"/>
+          </a:p>
+        </p:txBody>
+      </p:sp>
+      <p:sp>
+        <p:nvSpPr>
+          <p:cNvPr id="70" name="Ellipse 69">
+            <a:extLst>
+              <a:ext uri="{FF2B5EF4-FFF2-40B4-BE49-F238E27FC236}">
+                <a16:creationId xmlns:a16="http://schemas.microsoft.com/office/drawing/2014/main" id="{5C81DB4A-5786-4A9B-B8AD-22ABCE539321}"/>
+              </a:ext>
+            </a:extLst>
+          </p:cNvPr>
+          <p:cNvSpPr/>
+          <p:nvPr/>
+        </p:nvSpPr>
+        <p:spPr>
+          <a:xfrm>
+            <a:off x="4360524" y="3057389"/>
+            <a:ext cx="131562" cy="137074"/>
+          </a:xfrm>
+          <a:prstGeom prst="ellipse">
+            <a:avLst/>
+          </a:prstGeom>
+          <a:solidFill>
+            <a:schemeClr val="tx1"/>
+          </a:solidFill>
+        </p:spPr>
+        <p:style>
+          <a:lnRef idx="2">
+            <a:schemeClr val="accent1">
+              <a:shade val="50000"/>
+            </a:schemeClr>
+          </a:lnRef>
+          <a:fillRef idx="1">
+            <a:schemeClr val="accent1"/>
+          </a:fillRef>
+          <a:effectRef idx="0">
+            <a:schemeClr val="accent1"/>
+          </a:effectRef>
+          <a:fontRef idx="minor">
+            <a:schemeClr val="lt1"/>
+          </a:fontRef>
+        </p:style>
+        <p:txBody>
+          <a:bodyPr rtlCol="0" anchor="ctr"/>
+          <a:lstStyle/>
+          <a:p>
+            <a:pPr algn="ctr"/>
+            <a:endParaRPr lang="LID4096" sz="1400"/>
+          </a:p>
+        </p:txBody>
+      </p:sp>
+      <p:sp>
+        <p:nvSpPr>
+          <p:cNvPr id="71" name="Ellipse 70">
+            <a:extLst>
+              <a:ext uri="{FF2B5EF4-FFF2-40B4-BE49-F238E27FC236}">
+                <a16:creationId xmlns:a16="http://schemas.microsoft.com/office/drawing/2014/main" id="{A79F16DD-98AD-4B35-A490-EE9FBF406764}"/>
+              </a:ext>
+            </a:extLst>
+          </p:cNvPr>
+          <p:cNvSpPr/>
+          <p:nvPr/>
+        </p:nvSpPr>
+        <p:spPr>
+          <a:xfrm>
+            <a:off x="4570977" y="3054590"/>
+            <a:ext cx="131562" cy="137073"/>
+          </a:xfrm>
+          <a:prstGeom prst="ellipse">
+            <a:avLst/>
+          </a:prstGeom>
+          <a:solidFill>
+            <a:schemeClr val="tx1"/>
+          </a:solidFill>
+        </p:spPr>
+        <p:style>
+          <a:lnRef idx="2">
+            <a:schemeClr val="accent1">
+              <a:shade val="50000"/>
+            </a:schemeClr>
+          </a:lnRef>
+          <a:fillRef idx="1">
+            <a:schemeClr val="accent1"/>
+          </a:fillRef>
+          <a:effectRef idx="0">
+            <a:schemeClr val="accent1"/>
+          </a:effectRef>
+          <a:fontRef idx="minor">
+            <a:schemeClr val="lt1"/>
+          </a:fontRef>
+        </p:style>
+        <p:txBody>
+          <a:bodyPr rtlCol="0" anchor="ctr"/>
+          <a:lstStyle/>
+          <a:p>
+            <a:pPr algn="ctr"/>
+            <a:endParaRPr lang="LID4096" sz="1400"/>
+          </a:p>
+        </p:txBody>
+      </p:sp>
     </p:spTree>
     <p:extLst>
       <p:ext uri="{BB962C8B-B14F-4D97-AF65-F5344CB8AC3E}">
